--- a/week_6/Class Methods.pptx
+++ b/week_6/Class Methods.pptx
@@ -212,7 +212,7 @@
           <a:p>
             <a:fld id="{F666E1FD-E7A0-497B-BBC0-740BAAC97C64}" type="datetimeFigureOut">
               <a:rPr lang="en-PH" smtClean="0"/>
-              <a:t>16/01/2023</a:t>
+              <a:t>17/01/2023</a:t>
             </a:fld>
             <a:endParaRPr lang="en-PH"/>
           </a:p>
@@ -1301,7 +1301,7 @@
           <a:p>
             <a:fld id="{0CCF0B81-6BD8-4C65-9459-815598C5F1F4}" type="datetimeFigureOut">
               <a:rPr lang="en-PH" smtClean="0"/>
-              <a:t>16/01/2023</a:t>
+              <a:t>17/01/2023</a:t>
             </a:fld>
             <a:endParaRPr lang="en-PH"/>
           </a:p>
@@ -1501,7 +1501,7 @@
           <a:p>
             <a:fld id="{0CCF0B81-6BD8-4C65-9459-815598C5F1F4}" type="datetimeFigureOut">
               <a:rPr lang="en-PH" smtClean="0"/>
-              <a:t>16/01/2023</a:t>
+              <a:t>17/01/2023</a:t>
             </a:fld>
             <a:endParaRPr lang="en-PH"/>
           </a:p>
@@ -1711,7 +1711,7 @@
           <a:p>
             <a:fld id="{0CCF0B81-6BD8-4C65-9459-815598C5F1F4}" type="datetimeFigureOut">
               <a:rPr lang="en-PH" smtClean="0"/>
-              <a:t>16/01/2023</a:t>
+              <a:t>17/01/2023</a:t>
             </a:fld>
             <a:endParaRPr lang="en-PH"/>
           </a:p>
@@ -1911,7 +1911,7 @@
           <a:p>
             <a:fld id="{0CCF0B81-6BD8-4C65-9459-815598C5F1F4}" type="datetimeFigureOut">
               <a:rPr lang="en-PH" smtClean="0"/>
-              <a:t>16/01/2023</a:t>
+              <a:t>17/01/2023</a:t>
             </a:fld>
             <a:endParaRPr lang="en-PH"/>
           </a:p>
@@ -2187,7 +2187,7 @@
           <a:p>
             <a:fld id="{0CCF0B81-6BD8-4C65-9459-815598C5F1F4}" type="datetimeFigureOut">
               <a:rPr lang="en-PH" smtClean="0"/>
-              <a:t>16/01/2023</a:t>
+              <a:t>17/01/2023</a:t>
             </a:fld>
             <a:endParaRPr lang="en-PH"/>
           </a:p>
@@ -2455,7 +2455,7 @@
           <a:p>
             <a:fld id="{0CCF0B81-6BD8-4C65-9459-815598C5F1F4}" type="datetimeFigureOut">
               <a:rPr lang="en-PH" smtClean="0"/>
-              <a:t>16/01/2023</a:t>
+              <a:t>17/01/2023</a:t>
             </a:fld>
             <a:endParaRPr lang="en-PH"/>
           </a:p>
@@ -2870,7 +2870,7 @@
           <a:p>
             <a:fld id="{0CCF0B81-6BD8-4C65-9459-815598C5F1F4}" type="datetimeFigureOut">
               <a:rPr lang="en-PH" smtClean="0"/>
-              <a:t>16/01/2023</a:t>
+              <a:t>17/01/2023</a:t>
             </a:fld>
             <a:endParaRPr lang="en-PH"/>
           </a:p>
@@ -3012,7 +3012,7 @@
           <a:p>
             <a:fld id="{0CCF0B81-6BD8-4C65-9459-815598C5F1F4}" type="datetimeFigureOut">
               <a:rPr lang="en-PH" smtClean="0"/>
-              <a:t>16/01/2023</a:t>
+              <a:t>17/01/2023</a:t>
             </a:fld>
             <a:endParaRPr lang="en-PH"/>
           </a:p>
@@ -3125,7 +3125,7 @@
           <a:p>
             <a:fld id="{0CCF0B81-6BD8-4C65-9459-815598C5F1F4}" type="datetimeFigureOut">
               <a:rPr lang="en-PH" smtClean="0"/>
-              <a:t>16/01/2023</a:t>
+              <a:t>17/01/2023</a:t>
             </a:fld>
             <a:endParaRPr lang="en-PH"/>
           </a:p>
@@ -3438,7 +3438,7 @@
           <a:p>
             <a:fld id="{0CCF0B81-6BD8-4C65-9459-815598C5F1F4}" type="datetimeFigureOut">
               <a:rPr lang="en-PH" smtClean="0"/>
-              <a:t>16/01/2023</a:t>
+              <a:t>17/01/2023</a:t>
             </a:fld>
             <a:endParaRPr lang="en-PH"/>
           </a:p>
@@ -3727,7 +3727,7 @@
           <a:p>
             <a:fld id="{0CCF0B81-6BD8-4C65-9459-815598C5F1F4}" type="datetimeFigureOut">
               <a:rPr lang="en-PH" smtClean="0"/>
-              <a:t>16/01/2023</a:t>
+              <a:t>17/01/2023</a:t>
             </a:fld>
             <a:endParaRPr lang="en-PH"/>
           </a:p>
@@ -3970,7 +3970,7 @@
           <a:p>
             <a:fld id="{0CCF0B81-6BD8-4C65-9459-815598C5F1F4}" type="datetimeFigureOut">
               <a:rPr lang="en-PH" smtClean="0"/>
-              <a:t>16/01/2023</a:t>
+              <a:t>17/01/2023</a:t>
             </a:fld>
             <a:endParaRPr lang="en-PH"/>
           </a:p>
